--- a/presentation 2/slides.pptx
+++ b/presentation 2/slides.pptx
@@ -23735,7 +23735,18 @@
             </a:r>
           </a:p>
           <a:p>
-            <a:pPr lvl="1"/>
+            <a:r>
+              <a:rPr lang="en-US" dirty="0"/>
+              <a:t>Mini </a:t>
+            </a:r>
+            <a:r>
+              <a:rPr lang="en-US" dirty="0" err="1"/>
+              <a:t>WebGPU</a:t>
+            </a:r>
+            <a:r>
+              <a:rPr lang="en-US"/>
+              <a:t> Framework</a:t>
+            </a:r>
             <a:endParaRPr lang="en-US" dirty="0"/>
           </a:p>
           <a:p>

--- a/presentation 2/slides.pptx
+++ b/presentation 2/slides.pptx
@@ -23324,7 +23324,7 @@
           <a:p>
             <a:r>
               <a:rPr lang="en-US" dirty="0"/>
-              <a:t>Concept</a:t>
+              <a:t>Implementation</a:t>
             </a:r>
           </a:p>
         </p:txBody>
@@ -23346,13 +23346,34 @@
           <a:p>
             <a:r>
               <a:rPr lang="en-US" dirty="0"/>
-              <a:t>Rasterization of internal structure (sticks)</a:t>
+              <a:t>Rasterization of internal structure (balls and sticks)</a:t>
+            </a:r>
+          </a:p>
+          <a:p>
+            <a:pPr lvl="1"/>
+            <a:r>
+              <a:rPr lang="en-US" dirty="0"/>
+              <a:t>Geometry</a:t>
+            </a:r>
+          </a:p>
+          <a:p>
+            <a:pPr lvl="1"/>
+            <a:r>
+              <a:rPr lang="en-US" dirty="0"/>
+              <a:t>Instancing</a:t>
             </a:r>
           </a:p>
           <a:p>
             <a:r>
               <a:rPr lang="en-US" dirty="0"/>
-              <a:t>Surface rendering with raymarching</a:t>
+              <a:t>Surface rendering with ray marching</a:t>
+            </a:r>
+          </a:p>
+          <a:p>
+            <a:pPr lvl="1"/>
+            <a:r>
+              <a:rPr lang="en-US" dirty="0"/>
+              <a:t>Signed distance field calculated with a compute shader</a:t>
             </a:r>
           </a:p>
           <a:p>
@@ -23365,7 +23386,7 @@
             <a:pPr lvl="1"/>
             <a:r>
               <a:rPr lang="en-US" dirty="0"/>
-              <a:t>1. Transparency + translucency</a:t>
+              <a:t>1. Transparency</a:t>
             </a:r>
           </a:p>
           <a:p>
@@ -23379,14 +23400,7 @@
             <a:pPr lvl="1"/>
             <a:r>
               <a:rPr lang="en-US" dirty="0"/>
-              <a:t>3. Transparent structures beneath the surface</a:t>
-            </a:r>
-          </a:p>
-          <a:p>
-            <a:pPr lvl="1"/>
-            <a:r>
-              <a:rPr lang="en-US" dirty="0"/>
-              <a:t>4. Reflections and refractions</a:t>
+              <a:t>3. Reflections</a:t>
             </a:r>
           </a:p>
         </p:txBody>
@@ -23525,27 +23539,6 @@
               <a:t>WebGPU</a:t>
             </a:r>
             <a:endParaRPr lang="en-US" dirty="0"/>
-          </a:p>
-          <a:p>
-            <a:pPr lvl="1"/>
-            <a:r>
-              <a:rPr lang="en-US" dirty="0"/>
-              <a:t>Compute shader</a:t>
-            </a:r>
-          </a:p>
-          <a:p>
-            <a:pPr lvl="1"/>
-            <a:r>
-              <a:rPr lang="en-US" dirty="0"/>
-              <a:t>Classic mesh rasterization</a:t>
-            </a:r>
-          </a:p>
-          <a:p>
-            <a:pPr lvl="1"/>
-            <a:r>
-              <a:rPr lang="en-US" dirty="0"/>
-              <a:t>Raymarching</a:t>
-            </a:r>
           </a:p>
           <a:p>
             <a:r>
@@ -23731,7 +23724,7 @@
             <a:pPr lvl="1"/>
             <a:r>
               <a:rPr lang="en-US" dirty="0"/>
-              <a:t>Ray Marching</a:t>
+              <a:t>Ray marching</a:t>
             </a:r>
           </a:p>
           <a:p>
@@ -23744,10 +23737,9 @@
               <a:t>WebGPU</a:t>
             </a:r>
             <a:r>
-              <a:rPr lang="en-US"/>
+              <a:rPr lang="en-US" dirty="0"/>
               <a:t> Framework</a:t>
             </a:r>
-            <a:endParaRPr lang="en-US" dirty="0"/>
           </a:p>
           <a:p>
             <a:endParaRPr lang="en-US" dirty="0"/>
@@ -23923,17 +23915,26 @@
             </a:r>
             <a:r>
               <a:rPr lang="en-US" dirty="0"/>
-              <a:t> Support varies a lot</a:t>
+              <a:t> support and implementation varies a lot</a:t>
             </a:r>
           </a:p>
           <a:p>
             <a:r>
               <a:rPr lang="en-US" dirty="0"/>
-              <a:t>Protein Files invalid</a:t>
+              <a:t>Debugging shaders</a:t>
             </a:r>
           </a:p>
           <a:p>
-            <a:endParaRPr lang="en-US" dirty="0"/>
+            <a:r>
+              <a:rPr lang="en-US" dirty="0"/>
+              <a:t>Optimization - rendering 100k+ objects</a:t>
+            </a:r>
+          </a:p>
+          <a:p>
+            <a:r>
+              <a:rPr lang="en-US" dirty="0"/>
+              <a:t>Protein files invalid</a:t>
+            </a:r>
           </a:p>
           <a:p>
             <a:pPr lvl="1"/>

--- a/presentation 2/slides.pptx
+++ b/presentation 2/slides.pptx
@@ -23933,6 +23933,12 @@
           <a:p>
             <a:r>
               <a:rPr lang="en-US" dirty="0"/>
+              <a:t>Memory layout &amp; management</a:t>
+            </a:r>
+          </a:p>
+          <a:p>
+            <a:r>
+              <a:rPr lang="en-US" dirty="0"/>
               <a:t>Protein files invalid</a:t>
             </a:r>
           </a:p>

--- a/presentation 2/slides.pptx
+++ b/presentation 2/slides.pptx
@@ -5,25 +5,24 @@
     <p:sldMasterId id="2147483660" r:id="rId1"/>
   </p:sldMasterIdLst>
   <p:notesMasterIdLst>
-    <p:notesMasterId r:id="rId10"/>
+    <p:notesMasterId r:id="rId9"/>
   </p:notesMasterIdLst>
   <p:handoutMasterIdLst>
-    <p:handoutMasterId r:id="rId11"/>
+    <p:handoutMasterId r:id="rId10"/>
   </p:handoutMasterIdLst>
   <p:sldIdLst>
     <p:sldId id="317" r:id="rId2"/>
-    <p:sldId id="404" r:id="rId3"/>
-    <p:sldId id="406" r:id="rId4"/>
-    <p:sldId id="407" r:id="rId5"/>
-    <p:sldId id="408" r:id="rId6"/>
+    <p:sldId id="405" r:id="rId3"/>
+    <p:sldId id="404" r:id="rId4"/>
+    <p:sldId id="406" r:id="rId5"/>
+    <p:sldId id="407" r:id="rId6"/>
     <p:sldId id="409" r:id="rId7"/>
     <p:sldId id="410" r:id="rId8"/>
-    <p:sldId id="405" r:id="rId9"/>
   </p:sldIdLst>
   <p:sldSz cx="12195175" cy="6859588"/>
   <p:notesSz cx="7099300" cy="10234613"/>
   <p:custDataLst>
-    <p:tags r:id="rId12"/>
+    <p:tags r:id="rId11"/>
   </p:custDataLst>
   <p:kinsoku lang="ja-JP" invalStChars="、。，．・：；？！゛゜ヽヾゝゞ々ー’”）〕］｝〉》」』】°‰′″℃￠％ぁぃぅぇぉっゃゅょゎァィゥェォッャュョヮヵヶ!%),.:;?]}｡｣､･ｧｨｩｪｫｬｭｮｯｰﾞﾟ" invalEndChars="‘“（〔［｛〈《「『【￥＄$([\{｢￡"/>
   <p:defaultTextStyle>
@@ -741,6 +740,100 @@
           <a:p>
             <a:r>
               <a:rPr lang="en-US" dirty="0"/>
+              <a:t>This is the last</a:t>
+            </a:r>
+            <a:r>
+              <a:rPr lang="en-US" baseline="0" dirty="0"/>
+              <a:t> slide that remains visible until the next group comes up. </a:t>
+            </a:r>
+          </a:p>
+          <a:p>
+            <a:r>
+              <a:rPr lang="en-US" baseline="0" dirty="0"/>
+              <a:t>A picture would be helpful to support the discussion </a:t>
+            </a:r>
+            <a:r>
+              <a:rPr lang="en-AT" baseline="0" dirty="0">
+                <a:sym typeface="Wingdings" panose="05000000000000000000" pitchFamily="2" charset="2"/>
+              </a:rPr>
+              <a:t></a:t>
+            </a:r>
+            <a:r>
+              <a:rPr lang="en-US" baseline="0" dirty="0">
+                <a:sym typeface="Wingdings" panose="05000000000000000000" pitchFamily="2" charset="2"/>
+              </a:rPr>
+              <a:t> </a:t>
+            </a:r>
+            <a:endParaRPr lang="en-US" baseline="0" dirty="0"/>
+          </a:p>
+          <a:p>
+            <a:r>
+              <a:rPr lang="en-US" baseline="0" dirty="0"/>
+              <a:t>Nothing to say here. </a:t>
+            </a:r>
+            <a:endParaRPr lang="en-US" dirty="0"/>
+          </a:p>
+        </p:txBody>
+      </p:sp>
+    </p:spTree>
+    <p:extLst>
+      <p:ext uri="{BB962C8B-B14F-4D97-AF65-F5344CB8AC3E}">
+        <p14:creationId xmlns:p14="http://schemas.microsoft.com/office/powerpoint/2010/main" val="3580465188"/>
+      </p:ext>
+    </p:extLst>
+  </p:cSld>
+  <p:clrMapOvr>
+    <a:masterClrMapping/>
+  </p:clrMapOvr>
+</p:notes>
+</file>
+
+<file path=ppt/notesSlides/notesSlide3.xml><?xml version="1.0" encoding="utf-8"?>
+<p:notes xmlns:a="http://schemas.openxmlformats.org/drawingml/2006/main" xmlns:r="http://schemas.openxmlformats.org/officeDocument/2006/relationships" xmlns:p="http://schemas.openxmlformats.org/presentationml/2006/main">
+  <p:cSld>
+    <p:spTree>
+      <p:nvGrpSpPr>
+        <p:cNvPr id="1" name=""/>
+        <p:cNvGrpSpPr/>
+        <p:nvPr/>
+      </p:nvGrpSpPr>
+      <p:grpSpPr>
+        <a:xfrm>
+          <a:off x="0" y="0"/>
+          <a:ext cx="0" cy="0"/>
+          <a:chOff x="0" y="0"/>
+          <a:chExt cx="0" cy="0"/>
+        </a:xfrm>
+      </p:grpSpPr>
+      <p:sp>
+        <p:nvSpPr>
+          <p:cNvPr id="2" name="Slide Image Placeholder 1"/>
+          <p:cNvSpPr>
+            <a:spLocks noGrp="1" noRot="1" noChangeAspect="1"/>
+          </p:cNvSpPr>
+          <p:nvPr>
+            <p:ph type="sldImg"/>
+          </p:nvPr>
+        </p:nvSpPr>
+        <p:spPr/>
+      </p:sp>
+      <p:sp>
+        <p:nvSpPr>
+          <p:cNvPr id="3" name="Notes Placeholder 2"/>
+          <p:cNvSpPr>
+            <a:spLocks noGrp="1"/>
+          </p:cNvSpPr>
+          <p:nvPr>
+            <p:ph type="body" idx="1"/>
+          </p:nvPr>
+        </p:nvSpPr>
+        <p:spPr/>
+        <p:txBody>
+          <a:bodyPr/>
+          <a:lstStyle/>
+          <a:p>
+            <a:r>
+              <a:rPr lang="en-US" dirty="0"/>
               <a:t>Summarize the algorithms</a:t>
             </a:r>
             <a:r>
@@ -779,7 +872,7 @@
 </p:notes>
 </file>
 
-<file path=ppt/notesSlides/notesSlide3.xml><?xml version="1.0" encoding="utf-8"?>
+<file path=ppt/notesSlides/notesSlide4.xml><?xml version="1.0" encoding="utf-8"?>
 <p:notes xmlns:a="http://schemas.openxmlformats.org/drawingml/2006/main" xmlns:r="http://schemas.openxmlformats.org/officeDocument/2006/relationships" xmlns:p="http://schemas.openxmlformats.org/presentationml/2006/main">
   <p:cSld>
     <p:spTree>
@@ -886,7 +979,7 @@
 </p:notes>
 </file>
 
-<file path=ppt/notesSlides/notesSlide4.xml><?xml version="1.0" encoding="utf-8"?>
+<file path=ppt/notesSlides/notesSlide5.xml><?xml version="1.0" encoding="utf-8"?>
 <p:notes xmlns:a="http://schemas.openxmlformats.org/drawingml/2006/main" xmlns:r="http://schemas.openxmlformats.org/officeDocument/2006/relationships" xmlns:p="http://schemas.openxmlformats.org/presentationml/2006/main">
   <p:cSld>
     <p:spTree>
@@ -972,119 +1065,6 @@
     <p:extLst>
       <p:ext uri="{BB962C8B-B14F-4D97-AF65-F5344CB8AC3E}">
         <p14:creationId xmlns:p14="http://schemas.microsoft.com/office/powerpoint/2010/main" val="2158189833"/>
-      </p:ext>
-    </p:extLst>
-  </p:cSld>
-  <p:clrMapOvr>
-    <a:masterClrMapping/>
-  </p:clrMapOvr>
-</p:notes>
-</file>
-
-<file path=ppt/notesSlides/notesSlide5.xml><?xml version="1.0" encoding="utf-8"?>
-<p:notes xmlns:a="http://schemas.openxmlformats.org/drawingml/2006/main" xmlns:r="http://schemas.openxmlformats.org/officeDocument/2006/relationships" xmlns:p="http://schemas.openxmlformats.org/presentationml/2006/main">
-  <p:cSld>
-    <p:spTree>
-      <p:nvGrpSpPr>
-        <p:cNvPr id="1" name="">
-          <a:extLst>
-            <a:ext uri="{FF2B5EF4-FFF2-40B4-BE49-F238E27FC236}">
-              <a16:creationId xmlns:a16="http://schemas.microsoft.com/office/drawing/2014/main" id="{56A8B5D3-7A39-4F8C-4083-4B4C5D806193}"/>
-            </a:ext>
-          </a:extLst>
-        </p:cNvPr>
-        <p:cNvGrpSpPr/>
-        <p:nvPr/>
-      </p:nvGrpSpPr>
-      <p:grpSpPr>
-        <a:xfrm>
-          <a:off x="0" y="0"/>
-          <a:ext cx="0" cy="0"/>
-          <a:chOff x="0" y="0"/>
-          <a:chExt cx="0" cy="0"/>
-        </a:xfrm>
-      </p:grpSpPr>
-      <p:sp>
-        <p:nvSpPr>
-          <p:cNvPr id="2" name="Slide Image Placeholder 1">
-            <a:extLst>
-              <a:ext uri="{FF2B5EF4-FFF2-40B4-BE49-F238E27FC236}">
-                <a16:creationId xmlns:a16="http://schemas.microsoft.com/office/drawing/2014/main" id="{452F96BF-2FE4-94DF-6C34-FB9B21827A93}"/>
-              </a:ext>
-            </a:extLst>
-          </p:cNvPr>
-          <p:cNvSpPr>
-            <a:spLocks noGrp="1" noRot="1" noChangeAspect="1"/>
-          </p:cNvSpPr>
-          <p:nvPr>
-            <p:ph type="sldImg"/>
-          </p:nvPr>
-        </p:nvSpPr>
-        <p:spPr/>
-      </p:sp>
-      <p:sp>
-        <p:nvSpPr>
-          <p:cNvPr id="3" name="Notes Placeholder 2">
-            <a:extLst>
-              <a:ext uri="{FF2B5EF4-FFF2-40B4-BE49-F238E27FC236}">
-                <a16:creationId xmlns:a16="http://schemas.microsoft.com/office/drawing/2014/main" id="{A79729B3-74CE-F446-B0AB-70FFB2F33928}"/>
-              </a:ext>
-            </a:extLst>
-          </p:cNvPr>
-          <p:cNvSpPr>
-            <a:spLocks noGrp="1"/>
-          </p:cNvSpPr>
-          <p:nvPr>
-            <p:ph type="body" idx="1"/>
-          </p:nvPr>
-        </p:nvSpPr>
-        <p:spPr/>
-        <p:txBody>
-          <a:bodyPr/>
-          <a:lstStyle/>
-          <a:p>
-            <a:r>
-              <a:rPr lang="en-US" dirty="0"/>
-              <a:t>Describe how you plan to implement the work</a:t>
-            </a:r>
-            <a:r>
-              <a:rPr lang="en-US" baseline="0" dirty="0"/>
-              <a:t>: which visualization or graphics libraries do you plan to use? </a:t>
-            </a:r>
-          </a:p>
-          <a:p>
-            <a:r>
-              <a:rPr lang="en-US" baseline="0" dirty="0"/>
-              <a:t>Do you have some data already? Describe the relevant aspects of the data (source, size, structure etc.)!</a:t>
-            </a:r>
-          </a:p>
-          <a:p>
-            <a:r>
-              <a:rPr lang="en-US" baseline="0" dirty="0"/>
-              <a:t>Which data preprocessing steps are necessary and which libraries do you plan to use? </a:t>
-            </a:r>
-          </a:p>
-          <a:p>
-            <a:r>
-              <a:rPr lang="en-US" baseline="0" dirty="0"/>
-              <a:t>If you do not  have data yet, this is a good time to get feedback! </a:t>
-            </a:r>
-          </a:p>
-          <a:p>
-            <a:endParaRPr lang="en-US" baseline="0" dirty="0"/>
-          </a:p>
-          <a:p>
-            <a:r>
-              <a:rPr lang="en-US" baseline="0" dirty="0"/>
-              <a:t>~1 minute</a:t>
-            </a:r>
-          </a:p>
-        </p:txBody>
-      </p:sp>
-    </p:spTree>
-    <p:extLst>
-      <p:ext uri="{BB962C8B-B14F-4D97-AF65-F5344CB8AC3E}">
-        <p14:creationId xmlns:p14="http://schemas.microsoft.com/office/powerpoint/2010/main" val="1564487456"/>
       </p:ext>
     </p:extLst>
   </p:cSld>
@@ -1311,100 +1291,6 @@
     <p:extLst>
       <p:ext uri="{BB962C8B-B14F-4D97-AF65-F5344CB8AC3E}">
         <p14:creationId xmlns:p14="http://schemas.microsoft.com/office/powerpoint/2010/main" val="953180857"/>
-      </p:ext>
-    </p:extLst>
-  </p:cSld>
-  <p:clrMapOvr>
-    <a:masterClrMapping/>
-  </p:clrMapOvr>
-</p:notes>
-</file>
-
-<file path=ppt/notesSlides/notesSlide8.xml><?xml version="1.0" encoding="utf-8"?>
-<p:notes xmlns:a="http://schemas.openxmlformats.org/drawingml/2006/main" xmlns:r="http://schemas.openxmlformats.org/officeDocument/2006/relationships" xmlns:p="http://schemas.openxmlformats.org/presentationml/2006/main">
-  <p:cSld>
-    <p:spTree>
-      <p:nvGrpSpPr>
-        <p:cNvPr id="1" name=""/>
-        <p:cNvGrpSpPr/>
-        <p:nvPr/>
-      </p:nvGrpSpPr>
-      <p:grpSpPr>
-        <a:xfrm>
-          <a:off x="0" y="0"/>
-          <a:ext cx="0" cy="0"/>
-          <a:chOff x="0" y="0"/>
-          <a:chExt cx="0" cy="0"/>
-        </a:xfrm>
-      </p:grpSpPr>
-      <p:sp>
-        <p:nvSpPr>
-          <p:cNvPr id="2" name="Slide Image Placeholder 1"/>
-          <p:cNvSpPr>
-            <a:spLocks noGrp="1" noRot="1" noChangeAspect="1"/>
-          </p:cNvSpPr>
-          <p:nvPr>
-            <p:ph type="sldImg"/>
-          </p:nvPr>
-        </p:nvSpPr>
-        <p:spPr/>
-      </p:sp>
-      <p:sp>
-        <p:nvSpPr>
-          <p:cNvPr id="3" name="Notes Placeholder 2"/>
-          <p:cNvSpPr>
-            <a:spLocks noGrp="1"/>
-          </p:cNvSpPr>
-          <p:nvPr>
-            <p:ph type="body" idx="1"/>
-          </p:nvPr>
-        </p:nvSpPr>
-        <p:spPr/>
-        <p:txBody>
-          <a:bodyPr/>
-          <a:lstStyle/>
-          <a:p>
-            <a:r>
-              <a:rPr lang="en-US" dirty="0"/>
-              <a:t>This is the last</a:t>
-            </a:r>
-            <a:r>
-              <a:rPr lang="en-US" baseline="0" dirty="0"/>
-              <a:t> slide that remains visible until the next group comes up. </a:t>
-            </a:r>
-          </a:p>
-          <a:p>
-            <a:r>
-              <a:rPr lang="en-US" baseline="0" dirty="0"/>
-              <a:t>A picture would be helpful to support the discussion </a:t>
-            </a:r>
-            <a:r>
-              <a:rPr lang="en-AT" baseline="0" dirty="0">
-                <a:sym typeface="Wingdings" panose="05000000000000000000" pitchFamily="2" charset="2"/>
-              </a:rPr>
-              <a:t></a:t>
-            </a:r>
-            <a:r>
-              <a:rPr lang="en-US" baseline="0" dirty="0">
-                <a:sym typeface="Wingdings" panose="05000000000000000000" pitchFamily="2" charset="2"/>
-              </a:rPr>
-              <a:t> </a:t>
-            </a:r>
-            <a:endParaRPr lang="en-US" baseline="0" dirty="0"/>
-          </a:p>
-          <a:p>
-            <a:r>
-              <a:rPr lang="en-US" baseline="0" dirty="0"/>
-              <a:t>Nothing to say here. </a:t>
-            </a:r>
-            <a:endParaRPr lang="en-US" dirty="0"/>
-          </a:p>
-        </p:txBody>
-      </p:sp>
-    </p:spTree>
-    <p:extLst>
-      <p:ext uri="{BB962C8B-B14F-4D97-AF65-F5344CB8AC3E}">
-        <p14:creationId xmlns:p14="http://schemas.microsoft.com/office/powerpoint/2010/main" val="3580465188"/>
       </p:ext>
     </p:extLst>
   </p:cSld>
@@ -23013,6 +22899,222 @@
             <p:ph type="title"/>
           </p:nvPr>
         </p:nvSpPr>
+        <p:spPr>
+          <a:xfrm>
+            <a:off x="264939" y="42082"/>
+            <a:ext cx="11305256" cy="757414"/>
+          </a:xfrm>
+        </p:spPr>
+        <p:txBody>
+          <a:bodyPr/>
+          <a:lstStyle/>
+          <a:p>
+            <a:r>
+              <a:rPr lang="en-GB" sz="3600" dirty="0"/>
+              <a:t>Rendering molecules for fun and profit</a:t>
+            </a:r>
+            <a:endParaRPr lang="en-US" dirty="0"/>
+          </a:p>
+        </p:txBody>
+      </p:sp>
+      <p:sp>
+        <p:nvSpPr>
+          <p:cNvPr id="3" name="Content Placeholder 2"/>
+          <p:cNvSpPr>
+            <a:spLocks noGrp="1"/>
+          </p:cNvSpPr>
+          <p:nvPr>
+            <p:ph idx="1"/>
+          </p:nvPr>
+        </p:nvSpPr>
+        <p:spPr/>
+        <p:txBody>
+          <a:bodyPr/>
+          <a:lstStyle/>
+          <a:p>
+            <a:pPr marL="0" indent="0">
+              <a:buNone/>
+            </a:pPr>
+            <a:r>
+              <a:rPr lang="en-US" dirty="0"/>
+              <a:t>P. </a:t>
+            </a:r>
+            <a:r>
+              <a:rPr lang="en-US" dirty="0" err="1"/>
+              <a:t>Hermosilla</a:t>
+            </a:r>
+            <a:r>
+              <a:rPr lang="en-US" dirty="0"/>
+              <a:t> and S. Maisch and P.-P. Vázquez and T. </a:t>
+            </a:r>
+            <a:r>
+              <a:rPr lang="en-US" dirty="0" err="1"/>
+              <a:t>Ropinski</a:t>
+            </a:r>
+            <a:endParaRPr lang="en-US" dirty="0"/>
+          </a:p>
+          <a:p>
+            <a:pPr marL="0" indent="0">
+              <a:buNone/>
+            </a:pPr>
+            <a:r>
+              <a:rPr lang="en-US" sz="3600" b="1" dirty="0"/>
+              <a:t>Improving Perception of Molecular Surface Visualizations</a:t>
+            </a:r>
+          </a:p>
+          <a:p>
+            <a:pPr marL="0" indent="0">
+              <a:buNone/>
+            </a:pPr>
+            <a:r>
+              <a:rPr lang="en-US" dirty="0" err="1"/>
+              <a:t>Eurographics</a:t>
+            </a:r>
+            <a:r>
+              <a:rPr lang="en-US" dirty="0"/>
+              <a:t> Workshop on Visual Computing for Biology and Medicine, 2018</a:t>
+            </a:r>
+          </a:p>
+          <a:p>
+            <a:pPr marL="0" indent="0">
+              <a:buNone/>
+            </a:pPr>
+            <a:endParaRPr lang="en-US" dirty="0"/>
+          </a:p>
+        </p:txBody>
+      </p:sp>
+      <p:sp>
+        <p:nvSpPr>
+          <p:cNvPr id="4" name="Footer Placeholder 3"/>
+          <p:cNvSpPr>
+            <a:spLocks noGrp="1"/>
+          </p:cNvSpPr>
+          <p:nvPr>
+            <p:ph type="ftr" sz="quarter" idx="10"/>
+          </p:nvPr>
+        </p:nvSpPr>
+        <p:spPr/>
+        <p:txBody>
+          <a:bodyPr/>
+          <a:lstStyle/>
+          <a:p>
+            <a:pPr>
+              <a:defRPr/>
+            </a:pPr>
+            <a:r>
+              <a:rPr lang="de-AT" dirty="0"/>
+              <a:t>Yannic </a:t>
+            </a:r>
+            <a:r>
+              <a:rPr lang="de-AT" dirty="0" err="1"/>
+              <a:t>Ellhotka</a:t>
+            </a:r>
+            <a:r>
+              <a:rPr lang="de-AT" dirty="0"/>
+              <a:t> &amp; Simon Wesp</a:t>
+            </a:r>
+          </a:p>
+        </p:txBody>
+      </p:sp>
+      <p:sp>
+        <p:nvSpPr>
+          <p:cNvPr id="5" name="Slide Number Placeholder 4"/>
+          <p:cNvSpPr>
+            <a:spLocks noGrp="1"/>
+          </p:cNvSpPr>
+          <p:nvPr>
+            <p:ph type="sldNum" sz="quarter" idx="11"/>
+          </p:nvPr>
+        </p:nvSpPr>
+        <p:spPr/>
+        <p:txBody>
+          <a:bodyPr/>
+          <a:lstStyle/>
+          <a:p>
+            <a:pPr>
+              <a:defRPr/>
+            </a:pPr>
+            <a:fld id="{63707275-EA33-4C2C-A96C-B80BEB93EE54}" type="slidenum">
+              <a:rPr lang="de-AT" smtClean="0"/>
+              <a:pPr>
+                <a:defRPr/>
+              </a:pPr>
+              <a:t>2</a:t>
+            </a:fld>
+            <a:endParaRPr lang="de-AT" dirty="0"/>
+          </a:p>
+        </p:txBody>
+      </p:sp>
+      <p:pic>
+        <p:nvPicPr>
+          <p:cNvPr id="7" name="Picture 6">
+            <a:extLst>
+              <a:ext uri="{FF2B5EF4-FFF2-40B4-BE49-F238E27FC236}">
+                <a16:creationId xmlns:a16="http://schemas.microsoft.com/office/drawing/2014/main" id="{B5B87647-8D0A-571A-E4FE-70FB8BE4AC45}"/>
+              </a:ext>
+            </a:extLst>
+          </p:cNvPr>
+          <p:cNvPicPr>
+            <a:picLocks noChangeAspect="1"/>
+          </p:cNvPicPr>
+          <p:nvPr/>
+        </p:nvPicPr>
+        <p:blipFill>
+          <a:blip r:embed="rId3"/>
+          <a:stretch>
+            <a:fillRect/>
+          </a:stretch>
+        </p:blipFill>
+        <p:spPr>
+          <a:xfrm>
+            <a:off x="998506" y="3285778"/>
+            <a:ext cx="9838122" cy="2871945"/>
+          </a:xfrm>
+          <a:prstGeom prst="rect">
+            <a:avLst/>
+          </a:prstGeom>
+        </p:spPr>
+      </p:pic>
+    </p:spTree>
+    <p:extLst>
+      <p:ext uri="{BB962C8B-B14F-4D97-AF65-F5344CB8AC3E}">
+        <p14:creationId xmlns:p14="http://schemas.microsoft.com/office/powerpoint/2010/main" val="3164382249"/>
+      </p:ext>
+    </p:extLst>
+  </p:cSld>
+  <p:clrMapOvr>
+    <a:masterClrMapping/>
+  </p:clrMapOvr>
+</p:sld>
+</file>
+
+<file path=ppt/slides/slide3.xml><?xml version="1.0" encoding="utf-8"?>
+<p:sld xmlns:a="http://schemas.openxmlformats.org/drawingml/2006/main" xmlns:r="http://schemas.openxmlformats.org/officeDocument/2006/relationships" xmlns:p="http://schemas.openxmlformats.org/presentationml/2006/main">
+  <p:cSld>
+    <p:spTree>
+      <p:nvGrpSpPr>
+        <p:cNvPr id="1" name=""/>
+        <p:cNvGrpSpPr/>
+        <p:nvPr/>
+      </p:nvGrpSpPr>
+      <p:grpSpPr>
+        <a:xfrm>
+          <a:off x="0" y="0"/>
+          <a:ext cx="0" cy="0"/>
+          <a:chOff x="0" y="0"/>
+          <a:chExt cx="0" cy="0"/>
+        </a:xfrm>
+      </p:grpSpPr>
+      <p:sp>
+        <p:nvSpPr>
+          <p:cNvPr id="2" name="Title 1"/>
+          <p:cNvSpPr>
+            <a:spLocks noGrp="1"/>
+          </p:cNvSpPr>
+          <p:nvPr>
+            <p:ph type="title"/>
+          </p:nvPr>
+        </p:nvSpPr>
         <p:spPr/>
         <p:txBody>
           <a:bodyPr/>
@@ -23136,7 +23238,7 @@
               <a:pPr>
                 <a:defRPr/>
               </a:pPr>
-              <a:t>2</a:t>
+              <a:t>3</a:t>
             </a:fld>
             <a:endParaRPr lang="de-AT" dirty="0"/>
           </a:p>
@@ -23290,7 +23392,7 @@
 </p:sld>
 </file>
 
-<file path=ppt/slides/slide3.xml><?xml version="1.0" encoding="utf-8"?>
+<file path=ppt/slides/slide4.xml><?xml version="1.0" encoding="utf-8"?>
 <p:sld xmlns:a="http://schemas.openxmlformats.org/drawingml/2006/main" xmlns:r="http://schemas.openxmlformats.org/officeDocument/2006/relationships" xmlns:p="http://schemas.openxmlformats.org/presentationml/2006/main">
   <p:cSld>
     <p:spTree>
@@ -23461,7 +23563,7 @@
               <a:pPr>
                 <a:defRPr/>
               </a:pPr>
-              <a:t>3</a:t>
+              <a:t>4</a:t>
             </a:fld>
             <a:endParaRPr lang="de-AT" dirty="0"/>
           </a:p>
@@ -23480,7 +23582,7 @@
 </p:sld>
 </file>
 
-<file path=ppt/slides/slide4.xml><?xml version="1.0" encoding="utf-8"?>
+<file path=ppt/slides/slide5.xml><?xml version="1.0" encoding="utf-8"?>
 <p:sld xmlns:a="http://schemas.openxmlformats.org/drawingml/2006/main" xmlns:r="http://schemas.openxmlformats.org/officeDocument/2006/relationships" xmlns:p="http://schemas.openxmlformats.org/presentationml/2006/main">
   <p:cSld>
     <p:spTree>
@@ -23617,7 +23719,7 @@
               <a:pPr>
                 <a:defRPr/>
               </a:pPr>
-              <a:t>4</a:t>
+              <a:t>5</a:t>
             </a:fld>
             <a:endParaRPr lang="de-AT" dirty="0"/>
           </a:p>
@@ -23627,207 +23729,6 @@
     <p:extLst>
       <p:ext uri="{BB962C8B-B14F-4D97-AF65-F5344CB8AC3E}">
         <p14:creationId xmlns:p14="http://schemas.microsoft.com/office/powerpoint/2010/main" val="2621135719"/>
-      </p:ext>
-    </p:extLst>
-  </p:cSld>
-  <p:clrMapOvr>
-    <a:masterClrMapping/>
-  </p:clrMapOvr>
-</p:sld>
-</file>
-
-<file path=ppt/slides/slide5.xml><?xml version="1.0" encoding="utf-8"?>
-<p:sld xmlns:a="http://schemas.openxmlformats.org/drawingml/2006/main" xmlns:r="http://schemas.openxmlformats.org/officeDocument/2006/relationships" xmlns:p="http://schemas.openxmlformats.org/presentationml/2006/main">
-  <p:cSld>
-    <p:spTree>
-      <p:nvGrpSpPr>
-        <p:cNvPr id="1" name="">
-          <a:extLst>
-            <a:ext uri="{FF2B5EF4-FFF2-40B4-BE49-F238E27FC236}">
-              <a16:creationId xmlns:a16="http://schemas.microsoft.com/office/drawing/2014/main" id="{6E0C3D82-4865-0582-7C1F-17EBFB040FD4}"/>
-            </a:ext>
-          </a:extLst>
-        </p:cNvPr>
-        <p:cNvGrpSpPr/>
-        <p:nvPr/>
-      </p:nvGrpSpPr>
-      <p:grpSpPr>
-        <a:xfrm>
-          <a:off x="0" y="0"/>
-          <a:ext cx="0" cy="0"/>
-          <a:chOff x="0" y="0"/>
-          <a:chExt cx="0" cy="0"/>
-        </a:xfrm>
-      </p:grpSpPr>
-      <p:sp>
-        <p:nvSpPr>
-          <p:cNvPr id="2" name="Title 1">
-            <a:extLst>
-              <a:ext uri="{FF2B5EF4-FFF2-40B4-BE49-F238E27FC236}">
-                <a16:creationId xmlns:a16="http://schemas.microsoft.com/office/drawing/2014/main" id="{5158624F-7ED3-BDD4-CE2B-8CF40A1EE49B}"/>
-              </a:ext>
-            </a:extLst>
-          </p:cNvPr>
-          <p:cNvSpPr>
-            <a:spLocks noGrp="1"/>
-          </p:cNvSpPr>
-          <p:nvPr>
-            <p:ph type="title"/>
-          </p:nvPr>
-        </p:nvSpPr>
-        <p:spPr/>
-        <p:txBody>
-          <a:bodyPr/>
-          <a:lstStyle/>
-          <a:p>
-            <a:r>
-              <a:rPr lang="en-US" dirty="0"/>
-              <a:t>Implementation &amp; Data</a:t>
-            </a:r>
-          </a:p>
-        </p:txBody>
-      </p:sp>
-      <p:sp>
-        <p:nvSpPr>
-          <p:cNvPr id="3" name="Content Placeholder 2">
-            <a:extLst>
-              <a:ext uri="{FF2B5EF4-FFF2-40B4-BE49-F238E27FC236}">
-                <a16:creationId xmlns:a16="http://schemas.microsoft.com/office/drawing/2014/main" id="{27DC0F4A-BD8D-C855-BCCA-EC002F496F39}"/>
-              </a:ext>
-            </a:extLst>
-          </p:cNvPr>
-          <p:cNvSpPr>
-            <a:spLocks noGrp="1"/>
-          </p:cNvSpPr>
-          <p:nvPr>
-            <p:ph idx="1"/>
-          </p:nvPr>
-        </p:nvSpPr>
-        <p:spPr/>
-        <p:txBody>
-          <a:bodyPr/>
-          <a:lstStyle/>
-          <a:p>
-            <a:r>
-              <a:rPr lang="en-US" dirty="0"/>
-              <a:t>2 Render Passes + Blending</a:t>
-            </a:r>
-          </a:p>
-          <a:p>
-            <a:pPr lvl="1"/>
-            <a:r>
-              <a:rPr lang="en-US" dirty="0"/>
-              <a:t>Rasterization</a:t>
-            </a:r>
-          </a:p>
-          <a:p>
-            <a:pPr lvl="1"/>
-            <a:r>
-              <a:rPr lang="en-US" dirty="0"/>
-              <a:t>Ray marching</a:t>
-            </a:r>
-          </a:p>
-          <a:p>
-            <a:r>
-              <a:rPr lang="en-US" dirty="0"/>
-              <a:t>Mini </a:t>
-            </a:r>
-            <a:r>
-              <a:rPr lang="en-US" dirty="0" err="1"/>
-              <a:t>WebGPU</a:t>
-            </a:r>
-            <a:r>
-              <a:rPr lang="en-US" dirty="0"/>
-              <a:t> Framework</a:t>
-            </a:r>
-          </a:p>
-          <a:p>
-            <a:endParaRPr lang="en-US" dirty="0"/>
-          </a:p>
-          <a:p>
-            <a:pPr lvl="1"/>
-            <a:endParaRPr lang="en-US" dirty="0"/>
-          </a:p>
-        </p:txBody>
-      </p:sp>
-      <p:sp>
-        <p:nvSpPr>
-          <p:cNvPr id="4" name="Footer Placeholder 3">
-            <a:extLst>
-              <a:ext uri="{FF2B5EF4-FFF2-40B4-BE49-F238E27FC236}">
-                <a16:creationId xmlns:a16="http://schemas.microsoft.com/office/drawing/2014/main" id="{8E80671E-3E49-56AB-247A-0378F6FACC30}"/>
-              </a:ext>
-            </a:extLst>
-          </p:cNvPr>
-          <p:cNvSpPr>
-            <a:spLocks noGrp="1"/>
-          </p:cNvSpPr>
-          <p:nvPr>
-            <p:ph type="ftr" sz="quarter" idx="10"/>
-          </p:nvPr>
-        </p:nvSpPr>
-        <p:spPr/>
-        <p:txBody>
-          <a:bodyPr/>
-          <a:lstStyle/>
-          <a:p>
-            <a:pPr>
-              <a:defRPr/>
-            </a:pPr>
-            <a:r>
-              <a:rPr lang="de-AT" dirty="0"/>
-              <a:t>Yannic </a:t>
-            </a:r>
-            <a:r>
-              <a:rPr lang="de-AT" dirty="0" err="1"/>
-              <a:t>Ellhotka</a:t>
-            </a:r>
-            <a:r>
-              <a:rPr lang="de-AT" dirty="0"/>
-              <a:t> &amp; Simon Wesp</a:t>
-            </a:r>
-          </a:p>
-        </p:txBody>
-      </p:sp>
-      <p:sp>
-        <p:nvSpPr>
-          <p:cNvPr id="5" name="Slide Number Placeholder 4">
-            <a:extLst>
-              <a:ext uri="{FF2B5EF4-FFF2-40B4-BE49-F238E27FC236}">
-                <a16:creationId xmlns:a16="http://schemas.microsoft.com/office/drawing/2014/main" id="{C2C62CD5-8919-1FCF-9D3E-C5EB6F29FEB9}"/>
-              </a:ext>
-            </a:extLst>
-          </p:cNvPr>
-          <p:cNvSpPr>
-            <a:spLocks noGrp="1"/>
-          </p:cNvSpPr>
-          <p:nvPr>
-            <p:ph type="sldNum" sz="quarter" idx="11"/>
-          </p:nvPr>
-        </p:nvSpPr>
-        <p:spPr/>
-        <p:txBody>
-          <a:bodyPr/>
-          <a:lstStyle/>
-          <a:p>
-            <a:pPr>
-              <a:defRPr/>
-            </a:pPr>
-            <a:fld id="{63707275-EA33-4C2C-A96C-B80BEB93EE54}" type="slidenum">
-              <a:rPr lang="de-AT" smtClean="0"/>
-              <a:pPr>
-                <a:defRPr/>
-              </a:pPr>
-              <a:t>5</a:t>
-            </a:fld>
-            <a:endParaRPr lang="de-AT" dirty="0"/>
-          </a:p>
-        </p:txBody>
-      </p:sp>
-    </p:spTree>
-    <p:extLst>
-      <p:ext uri="{BB962C8B-B14F-4D97-AF65-F5344CB8AC3E}">
-        <p14:creationId xmlns:p14="http://schemas.microsoft.com/office/powerpoint/2010/main" val="1981705626"/>
       </p:ext>
     </p:extLst>
   </p:cSld>
@@ -24195,222 +24096,6 @@
     <p:extLst>
       <p:ext uri="{BB962C8B-B14F-4D97-AF65-F5344CB8AC3E}">
         <p14:creationId xmlns:p14="http://schemas.microsoft.com/office/powerpoint/2010/main" val="279179"/>
-      </p:ext>
-    </p:extLst>
-  </p:cSld>
-  <p:clrMapOvr>
-    <a:masterClrMapping/>
-  </p:clrMapOvr>
-</p:sld>
-</file>
-
-<file path=ppt/slides/slide8.xml><?xml version="1.0" encoding="utf-8"?>
-<p:sld xmlns:a="http://schemas.openxmlformats.org/drawingml/2006/main" xmlns:r="http://schemas.openxmlformats.org/officeDocument/2006/relationships" xmlns:p="http://schemas.openxmlformats.org/presentationml/2006/main">
-  <p:cSld>
-    <p:spTree>
-      <p:nvGrpSpPr>
-        <p:cNvPr id="1" name=""/>
-        <p:cNvGrpSpPr/>
-        <p:nvPr/>
-      </p:nvGrpSpPr>
-      <p:grpSpPr>
-        <a:xfrm>
-          <a:off x="0" y="0"/>
-          <a:ext cx="0" cy="0"/>
-          <a:chOff x="0" y="0"/>
-          <a:chExt cx="0" cy="0"/>
-        </a:xfrm>
-      </p:grpSpPr>
-      <p:sp>
-        <p:nvSpPr>
-          <p:cNvPr id="2" name="Title 1"/>
-          <p:cNvSpPr>
-            <a:spLocks noGrp="1"/>
-          </p:cNvSpPr>
-          <p:nvPr>
-            <p:ph type="title"/>
-          </p:nvPr>
-        </p:nvSpPr>
-        <p:spPr>
-          <a:xfrm>
-            <a:off x="264939" y="42082"/>
-            <a:ext cx="11305256" cy="757414"/>
-          </a:xfrm>
-        </p:spPr>
-        <p:txBody>
-          <a:bodyPr/>
-          <a:lstStyle/>
-          <a:p>
-            <a:r>
-              <a:rPr lang="en-GB" sz="3600" dirty="0"/>
-              <a:t>Rendering molecules for fun and profit</a:t>
-            </a:r>
-            <a:endParaRPr lang="en-US" dirty="0"/>
-          </a:p>
-        </p:txBody>
-      </p:sp>
-      <p:sp>
-        <p:nvSpPr>
-          <p:cNvPr id="3" name="Content Placeholder 2"/>
-          <p:cNvSpPr>
-            <a:spLocks noGrp="1"/>
-          </p:cNvSpPr>
-          <p:nvPr>
-            <p:ph idx="1"/>
-          </p:nvPr>
-        </p:nvSpPr>
-        <p:spPr/>
-        <p:txBody>
-          <a:bodyPr/>
-          <a:lstStyle/>
-          <a:p>
-            <a:pPr marL="0" indent="0">
-              <a:buNone/>
-            </a:pPr>
-            <a:r>
-              <a:rPr lang="en-US" dirty="0"/>
-              <a:t>P. </a:t>
-            </a:r>
-            <a:r>
-              <a:rPr lang="en-US" dirty="0" err="1"/>
-              <a:t>Hermosilla</a:t>
-            </a:r>
-            <a:r>
-              <a:rPr lang="en-US" dirty="0"/>
-              <a:t> and S. Maisch and P.-P. Vázquez and T. </a:t>
-            </a:r>
-            <a:r>
-              <a:rPr lang="en-US" dirty="0" err="1"/>
-              <a:t>Ropinski</a:t>
-            </a:r>
-            <a:endParaRPr lang="en-US" dirty="0"/>
-          </a:p>
-          <a:p>
-            <a:pPr marL="0" indent="0">
-              <a:buNone/>
-            </a:pPr>
-            <a:r>
-              <a:rPr lang="en-US" sz="3600" b="1" dirty="0"/>
-              <a:t>Improving Perception of Molecular Surface Visualizations</a:t>
-            </a:r>
-          </a:p>
-          <a:p>
-            <a:pPr marL="0" indent="0">
-              <a:buNone/>
-            </a:pPr>
-            <a:r>
-              <a:rPr lang="en-US" dirty="0" err="1"/>
-              <a:t>Eurographics</a:t>
-            </a:r>
-            <a:r>
-              <a:rPr lang="en-US" dirty="0"/>
-              <a:t> Workshop on Visual Computing for Biology and Medicine, 2018</a:t>
-            </a:r>
-          </a:p>
-          <a:p>
-            <a:pPr marL="0" indent="0">
-              <a:buNone/>
-            </a:pPr>
-            <a:endParaRPr lang="en-US" dirty="0"/>
-          </a:p>
-        </p:txBody>
-      </p:sp>
-      <p:sp>
-        <p:nvSpPr>
-          <p:cNvPr id="4" name="Footer Placeholder 3"/>
-          <p:cNvSpPr>
-            <a:spLocks noGrp="1"/>
-          </p:cNvSpPr>
-          <p:nvPr>
-            <p:ph type="ftr" sz="quarter" idx="10"/>
-          </p:nvPr>
-        </p:nvSpPr>
-        <p:spPr/>
-        <p:txBody>
-          <a:bodyPr/>
-          <a:lstStyle/>
-          <a:p>
-            <a:pPr>
-              <a:defRPr/>
-            </a:pPr>
-            <a:r>
-              <a:rPr lang="de-AT" dirty="0"/>
-              <a:t>Yannic </a:t>
-            </a:r>
-            <a:r>
-              <a:rPr lang="de-AT" dirty="0" err="1"/>
-              <a:t>Ellhotka</a:t>
-            </a:r>
-            <a:r>
-              <a:rPr lang="de-AT" dirty="0"/>
-              <a:t> &amp; Simon Wesp</a:t>
-            </a:r>
-          </a:p>
-        </p:txBody>
-      </p:sp>
-      <p:sp>
-        <p:nvSpPr>
-          <p:cNvPr id="5" name="Slide Number Placeholder 4"/>
-          <p:cNvSpPr>
-            <a:spLocks noGrp="1"/>
-          </p:cNvSpPr>
-          <p:nvPr>
-            <p:ph type="sldNum" sz="quarter" idx="11"/>
-          </p:nvPr>
-        </p:nvSpPr>
-        <p:spPr/>
-        <p:txBody>
-          <a:bodyPr/>
-          <a:lstStyle/>
-          <a:p>
-            <a:pPr>
-              <a:defRPr/>
-            </a:pPr>
-            <a:fld id="{63707275-EA33-4C2C-A96C-B80BEB93EE54}" type="slidenum">
-              <a:rPr lang="de-AT" smtClean="0"/>
-              <a:pPr>
-                <a:defRPr/>
-              </a:pPr>
-              <a:t>8</a:t>
-            </a:fld>
-            <a:endParaRPr lang="de-AT" dirty="0"/>
-          </a:p>
-        </p:txBody>
-      </p:sp>
-      <p:pic>
-        <p:nvPicPr>
-          <p:cNvPr id="7" name="Picture 6">
-            <a:extLst>
-              <a:ext uri="{FF2B5EF4-FFF2-40B4-BE49-F238E27FC236}">
-                <a16:creationId xmlns:a16="http://schemas.microsoft.com/office/drawing/2014/main" id="{B5B87647-8D0A-571A-E4FE-70FB8BE4AC45}"/>
-              </a:ext>
-            </a:extLst>
-          </p:cNvPr>
-          <p:cNvPicPr>
-            <a:picLocks noChangeAspect="1"/>
-          </p:cNvPicPr>
-          <p:nvPr/>
-        </p:nvPicPr>
-        <p:blipFill>
-          <a:blip r:embed="rId3"/>
-          <a:stretch>
-            <a:fillRect/>
-          </a:stretch>
-        </p:blipFill>
-        <p:spPr>
-          <a:xfrm>
-            <a:off x="998506" y="3285778"/>
-            <a:ext cx="9838122" cy="2871945"/>
-          </a:xfrm>
-          <a:prstGeom prst="rect">
-            <a:avLst/>
-          </a:prstGeom>
-        </p:spPr>
-      </p:pic>
-    </p:spTree>
-    <p:extLst>
-      <p:ext uri="{BB962C8B-B14F-4D97-AF65-F5344CB8AC3E}">
-        <p14:creationId xmlns:p14="http://schemas.microsoft.com/office/powerpoint/2010/main" val="3164382249"/>
       </p:ext>
     </p:extLst>
   </p:cSld>
